--- a/Machine_Learning/summary.pptx
+++ b/Machine_Learning/summary.pptx
@@ -3113,7 +3113,7 @@
           <a:lstStyle/>
           <a:p>
             <a:r>
-              <a:t>http://localhost:3000/public/pdfDocument-1596363992750</a:t>
+              <a:t>disagreement persists among educators</a:t>
             </a:r>
           </a:p>
         </p:txBody>
@@ -3134,7 +3134,7 @@
           <a:lstStyle/>
           <a:p>
             <a:r>
-              <a:t>Summery</a:t>
+              <a:t>Summary</a:t>
             </a:r>
           </a:p>
           <a:p>
@@ -3213,7 +3213,7 @@
           <a:lstStyle/>
           <a:p>
             <a:r>
-              <a:t>http://localhost:3000/public/pdfDocument-1596363992750</a:t>
+              <a:t>higher cerebral centers causing tion ."</a:t>
             </a:r>
           </a:p>
         </p:txBody>
@@ -3234,7 +3234,7 @@
           <a:lstStyle/>
           <a:p>
             <a:r>
-              <a:t>Summery</a:t>
+              <a:t>Summary</a:t>
             </a:r>
           </a:p>
           <a:p>
@@ -3313,7 +3313,7 @@
           <a:lstStyle/>
           <a:p>
             <a:r>
-              <a:t>http://localhost:3000/public/pdfDocument-1596363992750</a:t>
+              <a:t>lovell et al ., 1964 ).</a:t>
             </a:r>
           </a:p>
         </p:txBody>
@@ -3334,7 +3334,7 @@
           <a:lstStyle/>
           <a:p>
             <a:r>
-              <a:t>Summery</a:t>
+              <a:t>Summary</a:t>
             </a:r>
           </a:p>
           <a:p>
@@ -3413,7 +3413,7 @@
           <a:lstStyle/>
           <a:p>
             <a:r>
-              <a:t>http://localhost:3000/public/pdfDocument-1596363992750</a:t>
+              <a:t>students learning phonetic transcription often rever</a:t>
             </a:r>
           </a:p>
         </p:txBody>
@@ -3434,7 +3434,7 @@
           <a:lstStyle/>
           <a:p>
             <a:r>
-              <a:t>Summery</a:t>
+              <a:t>Summary</a:t>
             </a:r>
           </a:p>
           <a:p>
@@ -3513,7 +3513,7 @@
           <a:lstStyle/>
           <a:p>
             <a:r>
-              <a:t>http://localhost:3000/public/pdfDocument-1596363992750</a:t>
+              <a:t>fry et al ., 1970 ).</a:t>
             </a:r>
           </a:p>
         </p:txBody>
@@ -3534,7 +3534,7 @@
           <a:lstStyle/>
           <a:p>
             <a:r>
-              <a:t>Summery</a:t>
+              <a:t>Summary</a:t>
             </a:r>
           </a:p>
           <a:p>
@@ -3614,7 +3614,7 @@
           <a:lstStyle/>
           <a:p>
             <a:r>
-              <a:t>http://localhost:3000/public/pdfDocument-1596363992750</a:t>
+              <a:t>liberman et al ., 1974 ).</a:t>
             </a:r>
           </a:p>
         </p:txBody>
@@ -3635,7 +3635,7 @@
           <a:lstStyle/>
           <a:p>
             <a:r>
-              <a:t>Summery</a:t>
+              <a:t>Summary</a:t>
             </a:r>
           </a:p>
           <a:p>
@@ -3714,7 +3714,7 @@
           <a:lstStyle/>
           <a:p>
             <a:r>
-              <a:t>http://localhost:3000/public/pdfDocument-1596363992750</a:t>
+              <a:t>represents two different pronunciations</a:t>
             </a:r>
           </a:p>
         </p:txBody>
@@ -3735,7 +3735,7 @@
           <a:lstStyle/>
           <a:p>
             <a:r>
-              <a:t>Summery</a:t>
+              <a:t>Summary</a:t>
             </a:r>
           </a:p>
           <a:p>
@@ -3815,7 +3815,7 @@
           <a:lstStyle/>
           <a:p>
             <a:r>
-              <a:t>http://localhost:3000/public/pdfDocument-1596363992750</a:t>
+              <a:t>cell cell cheek chic geld begin</a:t>
             </a:r>
           </a:p>
         </p:txBody>
@@ -3836,7 +3836,7 @@
           <a:lstStyle/>
           <a:p>
             <a:r>
-              <a:t>Summery</a:t>
+              <a:t>Summary</a:t>
             </a:r>
           </a:p>
           <a:p>
@@ -3915,7 +3915,7 @@
           <a:lstStyle/>
           <a:p>
             <a:r>
-              <a:t>http://localhost:3000/public/pdfDocument-1596363992750</a:t>
+              <a:t>wada et al</a:t>
             </a:r>
           </a:p>
         </p:txBody>
@@ -3936,7 +3936,7 @@
           <a:lstStyle/>
           <a:p>
             <a:r>
-              <a:t>Summery</a:t>
+              <a:t>Summary</a:t>
             </a:r>
           </a:p>
           <a:p>
@@ -4015,7 +4015,7 @@
           <a:lstStyle/>
           <a:p>
             <a:r>
-              <a:t>http://localhost:3000/public/pdfDocument-1596363992750</a:t>
+              <a:t>reading achievement among select second graders ."</a:t>
             </a:r>
           </a:p>
         </p:txBody>
@@ -4036,7 +4036,7 @@
           <a:lstStyle/>
           <a:p>
             <a:r>
-              <a:t>Summery</a:t>
+              <a:t>Summary</a:t>
             </a:r>
           </a:p>
           <a:p>
